--- a/3 Construcción/Presentacion semana XIII 22 de Noviembre.pptx
+++ b/3 Construcción/Presentacion semana XIII 22 de Noviembre.pptx
@@ -301,7 +301,7 @@
             <a:fld id="{B61BEF0D-F0BB-DE4B-95CE-6DB70DBA9567}" type="datetimeFigureOut">
               <a:rPr lang="en-US" dirty="0"/>
               <a:pPr/>
-              <a:t>11/21/2013</a:t>
+              <a:t>11/23/2013</a:t>
             </a:fld>
             <a:endParaRPr lang="en-US" dirty="0"/>
           </a:p>
@@ -636,7 +636,7 @@
             <a:fld id="{B61BEF0D-F0BB-DE4B-95CE-6DB70DBA9567}" type="datetimeFigureOut">
               <a:rPr lang="en-US" dirty="0"/>
               <a:pPr/>
-              <a:t>11/21/2013</a:t>
+              <a:t>11/23/2013</a:t>
             </a:fld>
             <a:endParaRPr lang="en-US" dirty="0"/>
           </a:p>
@@ -1034,7 +1034,7 @@
             <a:fld id="{B61BEF0D-F0BB-DE4B-95CE-6DB70DBA9567}" type="datetimeFigureOut">
               <a:rPr lang="en-US" dirty="0"/>
               <a:pPr/>
-              <a:t>11/21/2013</a:t>
+              <a:t>11/23/2013</a:t>
             </a:fld>
             <a:endParaRPr lang="en-US" dirty="0"/>
           </a:p>
@@ -1367,7 +1367,7 @@
             <a:fld id="{B61BEF0D-F0BB-DE4B-95CE-6DB70DBA9567}" type="datetimeFigureOut">
               <a:rPr lang="en-US" dirty="0"/>
               <a:pPr/>
-              <a:t>11/21/2013</a:t>
+              <a:t>11/23/2013</a:t>
             </a:fld>
             <a:endParaRPr lang="en-US" dirty="0"/>
           </a:p>
@@ -1684,7 +1684,7 @@
             <a:fld id="{B61BEF0D-F0BB-DE4B-95CE-6DB70DBA9567}" type="datetimeFigureOut">
               <a:rPr lang="en-US" dirty="0"/>
               <a:pPr/>
-              <a:t>11/21/2013</a:t>
+              <a:t>11/23/2013</a:t>
             </a:fld>
             <a:endParaRPr lang="en-US" dirty="0"/>
           </a:p>
@@ -2077,7 +2077,7 @@
             <a:fld id="{B61BEF0D-F0BB-DE4B-95CE-6DB70DBA9567}" type="datetimeFigureOut">
               <a:rPr lang="en-US" dirty="0"/>
               <a:pPr/>
-              <a:t>11/21/2013</a:t>
+              <a:t>11/23/2013</a:t>
             </a:fld>
             <a:endParaRPr lang="en-US" dirty="0"/>
           </a:p>
@@ -2331,7 +2331,7 @@
             <a:fld id="{B61BEF0D-F0BB-DE4B-95CE-6DB70DBA9567}" type="datetimeFigureOut">
               <a:rPr lang="en-US" dirty="0"/>
               <a:pPr/>
-              <a:t>11/21/2013</a:t>
+              <a:t>11/23/2013</a:t>
             </a:fld>
             <a:endParaRPr lang="en-US" dirty="0"/>
           </a:p>
@@ -2590,7 +2590,7 @@
             <a:fld id="{B61BEF0D-F0BB-DE4B-95CE-6DB70DBA9567}" type="datetimeFigureOut">
               <a:rPr lang="en-US" dirty="0"/>
               <a:pPr/>
-              <a:t>11/21/2013</a:t>
+              <a:t>11/23/2013</a:t>
             </a:fld>
             <a:endParaRPr lang="en-US" dirty="0"/>
           </a:p>
@@ -2849,7 +2849,7 @@
             <a:fld id="{B61BEF0D-F0BB-DE4B-95CE-6DB70DBA9567}" type="datetimeFigureOut">
               <a:rPr lang="en-US" dirty="0"/>
               <a:pPr/>
-              <a:t>11/21/2013</a:t>
+              <a:t>11/23/2013</a:t>
             </a:fld>
             <a:endParaRPr lang="en-US" dirty="0"/>
           </a:p>
@@ -3175,7 +3175,7 @@
             <a:fld id="{B61BEF0D-F0BB-DE4B-95CE-6DB70DBA9567}" type="datetimeFigureOut">
               <a:rPr lang="en-US" dirty="0"/>
               <a:pPr/>
-              <a:t>11/21/2013</a:t>
+              <a:t>11/23/2013</a:t>
             </a:fld>
             <a:endParaRPr lang="en-US" dirty="0"/>
           </a:p>
@@ -3495,7 +3495,7 @@
             <a:fld id="{B61BEF0D-F0BB-DE4B-95CE-6DB70DBA9567}" type="datetimeFigureOut">
               <a:rPr lang="en-US" dirty="0"/>
               <a:pPr/>
-              <a:t>11/21/2013</a:t>
+              <a:t>11/23/2013</a:t>
             </a:fld>
             <a:endParaRPr lang="en-US" dirty="0"/>
           </a:p>
@@ -3949,7 +3949,7 @@
             <a:fld id="{B61BEF0D-F0BB-DE4B-95CE-6DB70DBA9567}" type="datetimeFigureOut">
               <a:rPr lang="en-US" dirty="0"/>
               <a:pPr/>
-              <a:t>11/21/2013</a:t>
+              <a:t>11/23/2013</a:t>
             </a:fld>
             <a:endParaRPr lang="en-US" dirty="0"/>
           </a:p>
@@ -4151,7 +4151,7 @@
             <a:fld id="{B61BEF0D-F0BB-DE4B-95CE-6DB70DBA9567}" type="datetimeFigureOut">
               <a:rPr lang="en-US" dirty="0"/>
               <a:pPr/>
-              <a:t>11/21/2013</a:t>
+              <a:t>11/23/2013</a:t>
             </a:fld>
             <a:endParaRPr lang="en-US" dirty="0"/>
           </a:p>
@@ -4325,7 +4325,7 @@
             <a:fld id="{B61BEF0D-F0BB-DE4B-95CE-6DB70DBA9567}" type="datetimeFigureOut">
               <a:rPr lang="en-US" dirty="0"/>
               <a:pPr/>
-              <a:t>11/21/2013</a:t>
+              <a:t>11/23/2013</a:t>
             </a:fld>
             <a:endParaRPr lang="en-US" dirty="0"/>
           </a:p>
@@ -4655,7 +4655,7 @@
             <a:fld id="{B61BEF0D-F0BB-DE4B-95CE-6DB70DBA9567}" type="datetimeFigureOut">
               <a:rPr lang="en-US" dirty="0"/>
               <a:pPr/>
-              <a:t>11/21/2013</a:t>
+              <a:t>11/23/2013</a:t>
             </a:fld>
             <a:endParaRPr lang="en-US" dirty="0"/>
           </a:p>
@@ -4997,7 +4997,7 @@
             <a:fld id="{B61BEF0D-F0BB-DE4B-95CE-6DB70DBA9567}" type="datetimeFigureOut">
               <a:rPr lang="en-US" dirty="0"/>
               <a:pPr/>
-              <a:t>11/21/2013</a:t>
+              <a:t>11/23/2013</a:t>
             </a:fld>
             <a:endParaRPr lang="en-US" dirty="0"/>
           </a:p>
@@ -7111,7 +7111,7 @@
             <a:fld id="{B61BEF0D-F0BB-DE4B-95CE-6DB70DBA9567}" type="datetimeFigureOut">
               <a:rPr lang="en-US" dirty="0"/>
               <a:pPr/>
-              <a:t>11/21/2013</a:t>
+              <a:t>11/23/2013</a:t>
             </a:fld>
             <a:endParaRPr lang="en-US" dirty="0"/>
           </a:p>
@@ -7762,16 +7762,7 @@
                             <a:schemeClr val="tx1"/>
                           </a:solidFill>
                         </a:rPr>
-                        <a:t>Omar Pizarro: </a:t>
-                      </a:r>
-                      <a:r>
-                        <a:rPr lang="es-CL" sz="1600" b="0" dirty="0" smtClean="0">
-                          <a:ln/>
-                          <a:solidFill>
-                            <a:schemeClr val="tx1"/>
-                          </a:solidFill>
-                        </a:rPr>
-                        <a:t>11:15</a:t>
+                        <a:t>Omar Pizarro: 11:15</a:t>
                       </a:r>
                       <a:endParaRPr lang="es-CL" sz="1600" b="0" baseline="0" dirty="0" smtClean="0">
                         <a:ln/>
@@ -7789,16 +7780,7 @@
                             <a:schemeClr val="tx1"/>
                           </a:solidFill>
                         </a:rPr>
-                        <a:t>Juan Carlos Garcés: </a:t>
-                      </a:r>
-                      <a:r>
-                        <a:rPr lang="es-CL" sz="1600" b="0" dirty="0" smtClean="0">
-                          <a:ln/>
-                          <a:solidFill>
-                            <a:schemeClr val="tx1"/>
-                          </a:solidFill>
-                        </a:rPr>
-                        <a:t>11:18</a:t>
+                        <a:t>Juan Carlos Garcés: 11:18</a:t>
                       </a:r>
                       <a:endParaRPr lang="es-CL" dirty="0"/>
                     </a:p>
@@ -8466,15 +8448,7 @@
                   <a:srgbClr val="FF0000"/>
                 </a:solidFill>
               </a:rPr>
-              <a:t>|Reporte Semanal </a:t>
-            </a:r>
-            <a:r>
-              <a:rPr lang="es-CL" b="1" dirty="0" smtClean="0">
-                <a:solidFill>
-                  <a:srgbClr val="FF0000"/>
-                </a:solidFill>
-              </a:rPr>
-              <a:t>|Reporte de Pruebas|</a:t>
+              <a:t>|Reporte Semanal |Reporte de Pruebas|</a:t>
             </a:r>
             <a:endParaRPr lang="es-CL" b="1" dirty="0">
               <a:solidFill>
@@ -8641,7 +8615,7 @@
           <p:nvPr>
             <p:extLst>
               <p:ext uri="{D42A27DB-BD31-4B8C-83A1-F6EECF244321}">
-                <p14:modId xmlns:p14="http://schemas.microsoft.com/office/powerpoint/2010/main" val="688993891"/>
+                <p14:modId xmlns:p14="http://schemas.microsoft.com/office/powerpoint/2010/main" val="910048716"/>
               </p:ext>
             </p:extLst>
           </p:nvPr>
@@ -8963,7 +8937,7 @@
                           <a:effectLst/>
                           <a:latin typeface="+mn-lt"/>
                         </a:rPr>
-                        <a:t>46</a:t>
+                        <a:t>51</a:t>
                       </a:r>
                       <a:endParaRPr lang="es-CL" sz="1050" dirty="0">
                         <a:solidFill>
@@ -9023,14 +8997,14 @@
                     <a:p>
                       <a:pPr algn="ctr"/>
                       <a:r>
-                        <a:rPr lang="es-CL" sz="1050" smtClean="0">
+                        <a:rPr lang="es-CL" sz="1050" dirty="0" smtClean="0">
                           <a:solidFill>
                             <a:schemeClr val="tx1"/>
                           </a:solidFill>
                           <a:effectLst/>
                           <a:latin typeface="+mn-lt"/>
                         </a:rPr>
-                        <a:t>45</a:t>
+                        <a:t>52</a:t>
                       </a:r>
                       <a:endParaRPr lang="es-CL" sz="1050" dirty="0">
                         <a:solidFill>
@@ -9097,7 +9071,7 @@
           <p:nvPr>
             <p:extLst>
               <p:ext uri="{D42A27DB-BD31-4B8C-83A1-F6EECF244321}">
-                <p14:modId xmlns:p14="http://schemas.microsoft.com/office/powerpoint/2010/main" val="1496782477"/>
+                <p14:modId xmlns:p14="http://schemas.microsoft.com/office/powerpoint/2010/main" val="2899879933"/>
               </p:ext>
             </p:extLst>
           </p:nvPr>
@@ -9432,6 +9406,16 @@
                     <a:lstStyle/>
                     <a:p>
                       <a:r>
+                        <a:rPr lang="es-CL" sz="1200" smtClean="0">
+                          <a:solidFill>
+                            <a:srgbClr val="000000"/>
+                          </a:solidFill>
+                          <a:effectLst/>
+                          <a:latin typeface="Calibri" panose="020F0502020204030204" pitchFamily="34" charset="0"/>
+                        </a:rPr>
+                        <a:t>Escasez </a:t>
+                      </a:r>
+                      <a:r>
                         <a:rPr lang="es-CL" sz="1200" dirty="0" smtClean="0">
                           <a:solidFill>
                             <a:srgbClr val="000000"/>
@@ -9439,7 +9423,7 @@
                           <a:effectLst/>
                           <a:latin typeface="Calibri" panose="020F0502020204030204" pitchFamily="34" charset="0"/>
                         </a:rPr>
-                        <a:t>Escases de Recursos Humanos.</a:t>
+                        <a:t>de Recursos Humanos.</a:t>
                       </a:r>
                       <a:endParaRPr lang="es-CL" sz="1200" dirty="0">
                         <a:effectLst/>
@@ -9866,13 +9850,6 @@
                         </a:rPr>
                         <a:t>22:33</a:t>
                       </a:r>
-                      <a:endParaRPr lang="es-CL" sz="1200" dirty="0" smtClean="0">
-                        <a:solidFill>
-                          <a:srgbClr val="000000"/>
-                        </a:solidFill>
-                        <a:effectLst/>
-                        <a:latin typeface="Calibri" panose="020F0502020204030204" pitchFamily="34" charset="0"/>
-                      </a:endParaRPr>
                     </a:p>
                   </a:txBody>
                   <a:tcPr marL="9525" marR="9525" marT="9525" marB="9525" anchor="ctr">
@@ -10030,15 +10007,7 @@
                   <a:srgbClr val="92D050"/>
                 </a:solidFill>
               </a:rPr>
-              <a:t>1.399.132 </a:t>
-            </a:r>
-            <a:r>
-              <a:rPr lang="es-CL" sz="1400" b="1" dirty="0" smtClean="0">
-                <a:solidFill>
-                  <a:srgbClr val="92D050"/>
-                </a:solidFill>
-              </a:rPr>
-              <a:t>.-</a:t>
+              <a:t>1.399.132 .-</a:t>
             </a:r>
             <a:endParaRPr lang="es-CL" sz="1400" b="1" dirty="0">
               <a:solidFill>
@@ -10239,17 +10208,7 @@
                           </a:solidFill>
                           <a:effectLst/>
                         </a:rPr>
-                        <a:t> </a:t>
-                      </a:r>
-                      <a:r>
-                        <a:rPr lang="es-CL" sz="1200" b="1" cap="none" spc="0" baseline="0" dirty="0" smtClean="0">
-                          <a:ln/>
-                          <a:solidFill>
-                            <a:schemeClr val="tx1"/>
-                          </a:solidFill>
-                          <a:effectLst/>
-                        </a:rPr>
-                        <a:t>%</a:t>
+                        <a:t> %</a:t>
                       </a:r>
                       <a:endParaRPr lang="es-CL" sz="1200" b="1" cap="none" spc="0" dirty="0" smtClean="0">
                         <a:ln/>
@@ -10334,13 +10293,6 @@
                         </a:rPr>
                         <a:t>59,6%</a:t>
                       </a:r>
-                      <a:endParaRPr lang="es-CL" sz="1200" b="1" cap="none" spc="0" dirty="0" smtClean="0">
-                        <a:ln/>
-                        <a:solidFill>
-                          <a:schemeClr val="tx1"/>
-                        </a:solidFill>
-                        <a:effectLst/>
-                      </a:endParaRPr>
                     </a:p>
                   </a:txBody>
                   <a:tcPr marL="9525" marR="9525" marT="9525" marB="9525" anchor="ctr">
